--- a/BC.pptx
+++ b/BC.pptx
@@ -255,6 +255,11 @@
       </a:defRPr>
     </a:lvl9pPr>
   </p:defaultTextStyle>
+  <p:extLst>
+    <p:ext uri="{EFAFB233-063F-42B5-8137-9DF3F51BA10A}">
+      <p15:sldGuideLst xmlns:p15="http://schemas.microsoft.com/office/powerpoint/2012/main"/>
+    </p:ext>
+  </p:extLst>
 </p:presentation>
 </file>
 
@@ -340,7 +345,7 @@
           <a:p>
             <a:fld id="{3FE378B7-303A-4580-B619-C96E38E9E4A8}" type="datetimeFigureOut">
               <a:rPr lang="en-US" smtClean="0"/>
-              <a:t>05/04/2019</a:t>
+              <a:t>15-May-19</a:t>
             </a:fld>
             <a:endParaRPr lang="en-US"/>
           </a:p>
@@ -704,6 +709,11 @@
         </p:txBody>
       </p:sp>
     </p:spTree>
+    <p:extLst>
+      <p:ext uri="{BB962C8B-B14F-4D97-AF65-F5344CB8AC3E}">
+        <p14:creationId xmlns:p14="http://schemas.microsoft.com/office/powerpoint/2010/main" val="880544239"/>
+      </p:ext>
+    </p:extLst>
   </p:cSld>
   <p:clrMapOvr>
     <a:masterClrMapping/>
@@ -808,6 +818,11 @@
         </p:txBody>
       </p:sp>
     </p:spTree>
+    <p:extLst>
+      <p:ext uri="{BB962C8B-B14F-4D97-AF65-F5344CB8AC3E}">
+        <p14:creationId xmlns:p14="http://schemas.microsoft.com/office/powerpoint/2010/main" val="749760753"/>
+      </p:ext>
+    </p:extLst>
   </p:cSld>
   <p:clrMapOvr>
     <a:masterClrMapping/>
@@ -912,6 +927,11 @@
         </p:txBody>
       </p:sp>
     </p:spTree>
+    <p:extLst>
+      <p:ext uri="{BB962C8B-B14F-4D97-AF65-F5344CB8AC3E}">
+        <p14:creationId xmlns:p14="http://schemas.microsoft.com/office/powerpoint/2010/main" val="2893478157"/>
+      </p:ext>
+    </p:extLst>
   </p:cSld>
   <p:clrMapOvr>
     <a:masterClrMapping/>
@@ -1016,6 +1036,11 @@
         </p:txBody>
       </p:sp>
     </p:spTree>
+    <p:extLst>
+      <p:ext uri="{BB962C8B-B14F-4D97-AF65-F5344CB8AC3E}">
+        <p14:creationId xmlns:p14="http://schemas.microsoft.com/office/powerpoint/2010/main" val="1459264776"/>
+      </p:ext>
+    </p:extLst>
   </p:cSld>
   <p:clrMapOvr>
     <a:masterClrMapping/>
@@ -1120,6 +1145,11 @@
         </p:txBody>
       </p:sp>
     </p:spTree>
+    <p:extLst>
+      <p:ext uri="{BB962C8B-B14F-4D97-AF65-F5344CB8AC3E}">
+        <p14:creationId xmlns:p14="http://schemas.microsoft.com/office/powerpoint/2010/main" val="595630037"/>
+      </p:ext>
+    </p:extLst>
   </p:cSld>
   <p:clrMapOvr>
     <a:masterClrMapping/>
@@ -1224,6 +1254,11 @@
         </p:txBody>
       </p:sp>
     </p:spTree>
+    <p:extLst>
+      <p:ext uri="{BB962C8B-B14F-4D97-AF65-F5344CB8AC3E}">
+        <p14:creationId xmlns:p14="http://schemas.microsoft.com/office/powerpoint/2010/main" val="2473466448"/>
+      </p:ext>
+    </p:extLst>
   </p:cSld>
   <p:clrMapOvr>
     <a:masterClrMapping/>
@@ -1328,6 +1363,11 @@
         </p:txBody>
       </p:sp>
     </p:spTree>
+    <p:extLst>
+      <p:ext uri="{BB962C8B-B14F-4D97-AF65-F5344CB8AC3E}">
+        <p14:creationId xmlns:p14="http://schemas.microsoft.com/office/powerpoint/2010/main" val="2469539340"/>
+      </p:ext>
+    </p:extLst>
   </p:cSld>
   <p:clrMapOvr>
     <a:masterClrMapping/>
@@ -1432,6 +1472,11 @@
         </p:txBody>
       </p:sp>
     </p:spTree>
+    <p:extLst>
+      <p:ext uri="{BB962C8B-B14F-4D97-AF65-F5344CB8AC3E}">
+        <p14:creationId xmlns:p14="http://schemas.microsoft.com/office/powerpoint/2010/main" val="601845858"/>
+      </p:ext>
+    </p:extLst>
   </p:cSld>
   <p:clrMapOvr>
     <a:masterClrMapping/>
@@ -1536,6 +1581,11 @@
         </p:txBody>
       </p:sp>
     </p:spTree>
+    <p:extLst>
+      <p:ext uri="{BB962C8B-B14F-4D97-AF65-F5344CB8AC3E}">
+        <p14:creationId xmlns:p14="http://schemas.microsoft.com/office/powerpoint/2010/main" val="143319806"/>
+      </p:ext>
+    </p:extLst>
   </p:cSld>
   <p:clrMapOvr>
     <a:masterClrMapping/>
@@ -2264,7 +2314,7 @@
           <p:cNvPr id="4" name="Rectangle 4">
             <a:extLst>
               <a:ext uri="{FF2B5EF4-FFF2-40B4-BE49-F238E27FC236}">
-                <a16:creationId xmlns:a16="http://schemas.microsoft.com/office/drawing/2014/main" id="{71DC61B3-AF16-4EB2-9F5F-482B59B7674D}"/>
+                <a16:creationId xmlns:a16="http://schemas.microsoft.com/office/drawing/2014/main" xmlns="" id="{71DC61B3-AF16-4EB2-9F5F-482B59B7674D}"/>
               </a:ext>
             </a:extLst>
           </p:cNvPr>
@@ -2298,7 +2348,7 @@
           <p:cNvPr id="5" name="Rectangle 5">
             <a:extLst>
               <a:ext uri="{FF2B5EF4-FFF2-40B4-BE49-F238E27FC236}">
-                <a16:creationId xmlns:a16="http://schemas.microsoft.com/office/drawing/2014/main" id="{694FBB0D-2031-4A19-98C7-FC6F2AC84F6A}"/>
+                <a16:creationId xmlns:a16="http://schemas.microsoft.com/office/drawing/2014/main" xmlns="" id="{694FBB0D-2031-4A19-98C7-FC6F2AC84F6A}"/>
               </a:ext>
             </a:extLst>
           </p:cNvPr>
@@ -2335,7 +2385,7 @@
           <p:cNvPr id="6" name="Rectangle 6">
             <a:extLst>
               <a:ext uri="{FF2B5EF4-FFF2-40B4-BE49-F238E27FC236}">
-                <a16:creationId xmlns:a16="http://schemas.microsoft.com/office/drawing/2014/main" id="{DCAFE969-EF8B-4AF2-B68B-F1BBE8A1A4A9}"/>
+                <a16:creationId xmlns:a16="http://schemas.microsoft.com/office/drawing/2014/main" xmlns="" id="{DCAFE969-EF8B-4AF2-B68B-F1BBE8A1A4A9}"/>
               </a:ext>
             </a:extLst>
           </p:cNvPr>
@@ -6796,7 +6846,7 @@
           <p:cNvPr id="12" name="TextBox 11">
             <a:extLst>
               <a:ext uri="{FF2B5EF4-FFF2-40B4-BE49-F238E27FC236}">
-                <a16:creationId xmlns:a16="http://schemas.microsoft.com/office/drawing/2014/main" id="{C593ED71-8254-44AF-995B-8ED2FC169637}"/>
+                <a16:creationId xmlns:a16="http://schemas.microsoft.com/office/drawing/2014/main" xmlns="" id="{C593ED71-8254-44AF-995B-8ED2FC169637}"/>
               </a:ext>
             </a:extLst>
           </p:cNvPr>
@@ -7061,7 +7111,7 @@
           <p:cNvPr id="13" name="Picture 12">
             <a:extLst>
               <a:ext uri="{FF2B5EF4-FFF2-40B4-BE49-F238E27FC236}">
-                <a16:creationId xmlns:a16="http://schemas.microsoft.com/office/drawing/2014/main" id="{D3002ECB-7309-4106-BE37-C76F5A767B59}"/>
+                <a16:creationId xmlns:a16="http://schemas.microsoft.com/office/drawing/2014/main" xmlns="" id="{D3002ECB-7309-4106-BE37-C76F5A767B59}"/>
               </a:ext>
             </a:extLst>
           </p:cNvPr>
@@ -7071,7 +7121,7 @@
           <p:nvPr/>
         </p:nvPicPr>
         <p:blipFill>
-          <a:blip r:embed="rId3">
+          <a:blip r:embed="rId3" cstate="print">
             <a:extLst>
               <a:ext uri="{28A0092B-C50C-407E-A947-70E740481C1C}">
                 <a14:useLocalDpi xmlns:a14="http://schemas.microsoft.com/office/drawing/2010/main" val="0"/>
@@ -7121,7 +7171,7 @@
           <p:cNvPr id="14" name="Table 13">
             <a:extLst>
               <a:ext uri="{FF2B5EF4-FFF2-40B4-BE49-F238E27FC236}">
-                <a16:creationId xmlns:a16="http://schemas.microsoft.com/office/drawing/2014/main" id="{1CBFCF35-F7D6-4B87-9C2D-D724A2CAB7B8}"/>
+                <a16:creationId xmlns:a16="http://schemas.microsoft.com/office/drawing/2014/main" xmlns="" id="{1CBFCF35-F7D6-4B87-9C2D-D724A2CAB7B8}"/>
               </a:ext>
             </a:extLst>
           </p:cNvPr>
@@ -7144,14 +7194,14 @@
                 <a:gridCol w="1883788">
                   <a:extLst>
                     <a:ext uri="{9D8B030D-6E8A-4147-A177-3AD203B41FA5}">
-                      <a16:colId xmlns:a16="http://schemas.microsoft.com/office/drawing/2014/main" val="3510100873"/>
+                      <a16:colId xmlns:a16="http://schemas.microsoft.com/office/drawing/2014/main" xmlns="" val="3510100873"/>
                     </a:ext>
                   </a:extLst>
                 </a:gridCol>
                 <a:gridCol w="7319268">
                   <a:extLst>
                     <a:ext uri="{9D8B030D-6E8A-4147-A177-3AD203B41FA5}">
-                      <a16:colId xmlns:a16="http://schemas.microsoft.com/office/drawing/2014/main" val="2983023173"/>
+                      <a16:colId xmlns:a16="http://schemas.microsoft.com/office/drawing/2014/main" xmlns="" val="2983023173"/>
                     </a:ext>
                   </a:extLst>
                 </a:gridCol>
@@ -7261,7 +7311,7 @@
                 </a:tc>
                 <a:extLst>
                   <a:ext uri="{0D108BD9-81ED-4DB2-BD59-A6C34878D82A}">
-                    <a16:rowId xmlns:a16="http://schemas.microsoft.com/office/drawing/2014/main" val="1898797950"/>
+                    <a16:rowId xmlns:a16="http://schemas.microsoft.com/office/drawing/2014/main" xmlns="" val="1898797950"/>
                   </a:ext>
                 </a:extLst>
               </a:tr>
@@ -7330,7 +7380,7 @@
                 </a:tc>
                 <a:extLst>
                   <a:ext uri="{0D108BD9-81ED-4DB2-BD59-A6C34878D82A}">
-                    <a16:rowId xmlns:a16="http://schemas.microsoft.com/office/drawing/2014/main" val="3700381291"/>
+                    <a16:rowId xmlns:a16="http://schemas.microsoft.com/office/drawing/2014/main" xmlns="" val="3700381291"/>
                   </a:ext>
                 </a:extLst>
               </a:tr>
@@ -7379,7 +7429,7 @@
                 </a:tc>
                 <a:extLst>
                   <a:ext uri="{0D108BD9-81ED-4DB2-BD59-A6C34878D82A}">
-                    <a16:rowId xmlns:a16="http://schemas.microsoft.com/office/drawing/2014/main" val="764371662"/>
+                    <a16:rowId xmlns:a16="http://schemas.microsoft.com/office/drawing/2014/main" xmlns="" val="764371662"/>
                   </a:ext>
                 </a:extLst>
               </a:tr>
@@ -7424,7 +7474,7 @@
                 </a:tc>
                 <a:extLst>
                   <a:ext uri="{0D108BD9-81ED-4DB2-BD59-A6C34878D82A}">
-                    <a16:rowId xmlns:a16="http://schemas.microsoft.com/office/drawing/2014/main" val="3958148826"/>
+                    <a16:rowId xmlns:a16="http://schemas.microsoft.com/office/drawing/2014/main" xmlns="" val="3958148826"/>
                   </a:ext>
                 </a:extLst>
               </a:tr>
@@ -7462,7 +7512,7 @@
           <p:cNvPr id="9" name="Picture 8">
             <a:extLst>
               <a:ext uri="{FF2B5EF4-FFF2-40B4-BE49-F238E27FC236}">
-                <a16:creationId xmlns:a16="http://schemas.microsoft.com/office/drawing/2014/main" id="{9C2AE7D9-AA68-461B-95F8-EB4431E418D3}"/>
+                <a16:creationId xmlns:a16="http://schemas.microsoft.com/office/drawing/2014/main" xmlns="" id="{9C2AE7D9-AA68-461B-95F8-EB4431E418D3}"/>
               </a:ext>
             </a:extLst>
           </p:cNvPr>
@@ -7492,7 +7542,7 @@
           <p:cNvPr id="10" name="Picture 9">
             <a:extLst>
               <a:ext uri="{FF2B5EF4-FFF2-40B4-BE49-F238E27FC236}">
-                <a16:creationId xmlns:a16="http://schemas.microsoft.com/office/drawing/2014/main" id="{9D83322E-5BE1-44C2-95FA-4F357B26F4F7}"/>
+                <a16:creationId xmlns:a16="http://schemas.microsoft.com/office/drawing/2014/main" xmlns="" id="{9D83322E-5BE1-44C2-95FA-4F357B26F4F7}"/>
               </a:ext>
             </a:extLst>
           </p:cNvPr>
@@ -7552,7 +7602,7 @@
           <p:cNvPr id="7" name="Picture 6">
             <a:extLst>
               <a:ext uri="{FF2B5EF4-FFF2-40B4-BE49-F238E27FC236}">
-                <a16:creationId xmlns:a16="http://schemas.microsoft.com/office/drawing/2014/main" id="{64D4789D-95A7-440D-98FD-91C9FD3B9EA5}"/>
+                <a16:creationId xmlns:a16="http://schemas.microsoft.com/office/drawing/2014/main" xmlns="" id="{64D4789D-95A7-440D-98FD-91C9FD3B9EA5}"/>
               </a:ext>
             </a:extLst>
           </p:cNvPr>
@@ -7575,7 +7625,7 @@
         </p:blipFill>
         <p:spPr>
           <a:xfrm>
-            <a:off x="1360786" y="444500"/>
+            <a:off x="0" y="-60385"/>
             <a:ext cx="3668704" cy="5689600"/>
           </a:xfrm>
           <a:prstGeom prst="rect">
@@ -7585,13 +7635,7 @@
       </p:pic>
       <p:pic>
         <p:nvPicPr>
-          <p:cNvPr id="11" name="Picture 10">
-            <a:extLst>
-              <a:ext uri="{FF2B5EF4-FFF2-40B4-BE49-F238E27FC236}">
-                <a16:creationId xmlns:a16="http://schemas.microsoft.com/office/drawing/2014/main" id="{63A87345-3281-490E-99A2-2234E2F3192F}"/>
-              </a:ext>
-            </a:extLst>
-          </p:cNvPr>
+          <p:cNvPr id="2" name="Picture 1"/>
           <p:cNvPicPr>
             <a:picLocks noChangeAspect="1"/>
           </p:cNvPicPr>
@@ -7611,8 +7655,68 @@
         </p:blipFill>
         <p:spPr>
           <a:xfrm>
-            <a:off x="6654800" y="444500"/>
-            <a:ext cx="3706013" cy="5689600"/>
+            <a:off x="3668704" y="-224286"/>
+            <a:ext cx="4282035" cy="6858000"/>
+          </a:xfrm>
+          <a:prstGeom prst="rect">
+            <a:avLst/>
+          </a:prstGeom>
+        </p:spPr>
+      </p:pic>
+      <p:pic>
+        <p:nvPicPr>
+          <p:cNvPr id="3" name="Picture 2"/>
+          <p:cNvPicPr>
+            <a:picLocks noChangeAspect="1"/>
+          </p:cNvPicPr>
+          <p:nvPr/>
+        </p:nvPicPr>
+        <p:blipFill>
+          <a:blip r:embed="rId4">
+            <a:extLst>
+              <a:ext uri="{28A0092B-C50C-407E-A947-70E740481C1C}">
+                <a14:useLocalDpi xmlns:a14="http://schemas.microsoft.com/office/drawing/2010/main" val="0"/>
+              </a:ext>
+            </a:extLst>
+          </a:blip>
+          <a:stretch>
+            <a:fillRect/>
+          </a:stretch>
+        </p:blipFill>
+        <p:spPr>
+          <a:xfrm>
+            <a:off x="7634934" y="0"/>
+            <a:ext cx="4306342" cy="6858000"/>
+          </a:xfrm>
+          <a:prstGeom prst="rect">
+            <a:avLst/>
+          </a:prstGeom>
+        </p:spPr>
+      </p:pic>
+      <p:pic>
+        <p:nvPicPr>
+          <p:cNvPr id="4" name="Picture 3"/>
+          <p:cNvPicPr>
+            <a:picLocks noChangeAspect="1"/>
+          </p:cNvPicPr>
+          <p:nvPr/>
+        </p:nvPicPr>
+        <p:blipFill>
+          <a:blip r:embed="rId5">
+            <a:extLst>
+              <a:ext uri="{28A0092B-C50C-407E-A947-70E740481C1C}">
+                <a14:useLocalDpi xmlns:a14="http://schemas.microsoft.com/office/drawing/2010/main" val="0"/>
+              </a:ext>
+            </a:extLst>
+          </a:blip>
+          <a:stretch>
+            <a:fillRect/>
+          </a:stretch>
+        </p:blipFill>
+        <p:spPr>
+          <a:xfrm>
+            <a:off x="7634934" y="2958860"/>
+            <a:ext cx="4335284" cy="6858000"/>
           </a:xfrm>
           <a:prstGeom prst="rect">
             <a:avLst/>
@@ -7629,6 +7733,13 @@
   <p:clrMapOvr>
     <a:masterClrMapping/>
   </p:clrMapOvr>
+  <p:timing>
+    <p:tnLst>
+      <p:par>
+        <p:cTn id="1" dur="indefinite" restart="never" nodeType="tmRoot"/>
+      </p:par>
+    </p:tnLst>
+  </p:timing>
 </p:sld>
 </file>
 
@@ -7651,13 +7762,7 @@
       </p:grpSpPr>
       <p:pic>
         <p:nvPicPr>
-          <p:cNvPr id="6" name="Picture 5">
-            <a:extLst>
-              <a:ext uri="{FF2B5EF4-FFF2-40B4-BE49-F238E27FC236}">
-                <a16:creationId xmlns:a16="http://schemas.microsoft.com/office/drawing/2014/main" id="{FA008776-480C-4A90-B420-64C30F327AC0}"/>
-              </a:ext>
-            </a:extLst>
-          </p:cNvPr>
+          <p:cNvPr id="2" name="Picture 1"/>
           <p:cNvPicPr>
             <a:picLocks noChangeAspect="1"/>
           </p:cNvPicPr>
@@ -7677,8 +7782,68 @@
         </p:blipFill>
         <p:spPr>
           <a:xfrm>
-            <a:off x="4356919" y="907056"/>
-            <a:ext cx="3250382" cy="5043887"/>
+            <a:off x="0" y="0"/>
+            <a:ext cx="4445779" cy="6858000"/>
+          </a:xfrm>
+          <a:prstGeom prst="rect">
+            <a:avLst/>
+          </a:prstGeom>
+        </p:spPr>
+      </p:pic>
+      <p:pic>
+        <p:nvPicPr>
+          <p:cNvPr id="3" name="Picture 2"/>
+          <p:cNvPicPr>
+            <a:picLocks noChangeAspect="1"/>
+          </p:cNvPicPr>
+          <p:nvPr/>
+        </p:nvPicPr>
+        <p:blipFill>
+          <a:blip r:embed="rId3">
+            <a:extLst>
+              <a:ext uri="{28A0092B-C50C-407E-A947-70E740481C1C}">
+                <a14:useLocalDpi xmlns:a14="http://schemas.microsoft.com/office/drawing/2010/main" val="0"/>
+              </a:ext>
+            </a:extLst>
+          </a:blip>
+          <a:stretch>
+            <a:fillRect/>
+          </a:stretch>
+        </p:blipFill>
+        <p:spPr>
+          <a:xfrm>
+            <a:off x="4122464" y="0"/>
+            <a:ext cx="4292127" cy="6858000"/>
+          </a:xfrm>
+          <a:prstGeom prst="rect">
+            <a:avLst/>
+          </a:prstGeom>
+        </p:spPr>
+      </p:pic>
+      <p:pic>
+        <p:nvPicPr>
+          <p:cNvPr id="4" name="Picture 3"/>
+          <p:cNvPicPr>
+            <a:picLocks noChangeAspect="1"/>
+          </p:cNvPicPr>
+          <p:nvPr/>
+        </p:nvPicPr>
+        <p:blipFill>
+          <a:blip r:embed="rId4">
+            <a:extLst>
+              <a:ext uri="{28A0092B-C50C-407E-A947-70E740481C1C}">
+                <a14:useLocalDpi xmlns:a14="http://schemas.microsoft.com/office/drawing/2010/main" val="0"/>
+              </a:ext>
+            </a:extLst>
+          </a:blip>
+          <a:stretch>
+            <a:fillRect/>
+          </a:stretch>
+        </p:blipFill>
+        <p:spPr>
+          <a:xfrm>
+            <a:off x="8151930" y="0"/>
+            <a:ext cx="4264356" cy="6858000"/>
           </a:xfrm>
           <a:prstGeom prst="rect">
             <a:avLst/>
@@ -7695,6 +7860,13 @@
   <p:clrMapOvr>
     <a:masterClrMapping/>
   </p:clrMapOvr>
+  <p:timing>
+    <p:tnLst>
+      <p:par>
+        <p:cTn id="1" dur="indefinite" restart="never" nodeType="tmRoot"/>
+      </p:par>
+    </p:tnLst>
+  </p:timing>
 </p:sld>
 </file>
 
@@ -7720,7 +7892,7 @@
           <p:cNvPr id="9" name="Title 1">
             <a:extLst>
               <a:ext uri="{FF2B5EF4-FFF2-40B4-BE49-F238E27FC236}">
-                <a16:creationId xmlns:a16="http://schemas.microsoft.com/office/drawing/2014/main" id="{20E0A1F1-5C98-42D2-885F-9B23F27202A1}"/>
+                <a16:creationId xmlns:a16="http://schemas.microsoft.com/office/drawing/2014/main" xmlns="" id="{20E0A1F1-5C98-42D2-885F-9B23F27202A1}"/>
               </a:ext>
             </a:extLst>
           </p:cNvPr>
@@ -8011,7 +8183,7 @@
           <p:cNvPr id="10" name="Content Placeholder 2">
             <a:extLst>
               <a:ext uri="{FF2B5EF4-FFF2-40B4-BE49-F238E27FC236}">
-                <a16:creationId xmlns:a16="http://schemas.microsoft.com/office/drawing/2014/main" id="{D341D2C3-E373-4474-A215-E2C23815002B}"/>
+                <a16:creationId xmlns:a16="http://schemas.microsoft.com/office/drawing/2014/main" xmlns="" id="{D341D2C3-E373-4474-A215-E2C23815002B}"/>
               </a:ext>
             </a:extLst>
           </p:cNvPr>
@@ -8322,6 +8494,13 @@
   <p:clrMapOvr>
     <a:masterClrMapping/>
   </p:clrMapOvr>
+  <p:timing>
+    <p:tnLst>
+      <p:par>
+        <p:cTn id="1" dur="indefinite" restart="never" nodeType="tmRoot"/>
+      </p:par>
+    </p:tnLst>
+  </p:timing>
 </p:sld>
 </file>
 
@@ -8347,7 +8526,7 @@
           <p:cNvPr id="6" name="Title 1">
             <a:extLst>
               <a:ext uri="{FF2B5EF4-FFF2-40B4-BE49-F238E27FC236}">
-                <a16:creationId xmlns:a16="http://schemas.microsoft.com/office/drawing/2014/main" id="{997EE8AC-AE75-4A89-AF90-D9AA4006393E}"/>
+                <a16:creationId xmlns:a16="http://schemas.microsoft.com/office/drawing/2014/main" xmlns="" id="{997EE8AC-AE75-4A89-AF90-D9AA4006393E}"/>
               </a:ext>
             </a:extLst>
           </p:cNvPr>
@@ -8685,7 +8864,7 @@
           <p:cNvPr id="7" name="Content Placeholder 2">
             <a:extLst>
               <a:ext uri="{FF2B5EF4-FFF2-40B4-BE49-F238E27FC236}">
-                <a16:creationId xmlns:a16="http://schemas.microsoft.com/office/drawing/2014/main" id="{B7B9ECB0-AF99-4439-AB14-85E46795D1B3}"/>
+                <a16:creationId xmlns:a16="http://schemas.microsoft.com/office/drawing/2014/main" xmlns="" id="{B7B9ECB0-AF99-4439-AB14-85E46795D1B3}"/>
               </a:ext>
             </a:extLst>
           </p:cNvPr>
@@ -9229,7 +9408,7 @@
           <p:cNvPr id="5122" name="Rectangle 2">
             <a:extLst>
               <a:ext uri="{FF2B5EF4-FFF2-40B4-BE49-F238E27FC236}">
-                <a16:creationId xmlns:a16="http://schemas.microsoft.com/office/drawing/2014/main" id="{53F74971-0E3A-473D-AD29-3D4ECB6897AB}"/>
+                <a16:creationId xmlns:a16="http://schemas.microsoft.com/office/drawing/2014/main" xmlns="" id="{53F74971-0E3A-473D-AD29-3D4ECB6897AB}"/>
               </a:ext>
             </a:extLst>
           </p:cNvPr>
@@ -9272,7 +9451,7 @@
           <p:cNvPr id="5123" name="Group 3">
             <a:extLst>
               <a:ext uri="{FF2B5EF4-FFF2-40B4-BE49-F238E27FC236}">
-                <a16:creationId xmlns:a16="http://schemas.microsoft.com/office/drawing/2014/main" id="{5FE8CE78-B372-4BF4-A2AC-0CAAF4F9522E}"/>
+                <a16:creationId xmlns:a16="http://schemas.microsoft.com/office/drawing/2014/main" xmlns="" id="{5FE8CE78-B372-4BF4-A2AC-0CAAF4F9522E}"/>
               </a:ext>
             </a:extLst>
           </p:cNvPr>
@@ -9294,7 +9473,7 @@
             <p:cNvPr id="5148" name="AutoShape 4">
               <a:extLst>
                 <a:ext uri="{FF2B5EF4-FFF2-40B4-BE49-F238E27FC236}">
-                  <a16:creationId xmlns:a16="http://schemas.microsoft.com/office/drawing/2014/main" id="{BFCDFAD7-DDFA-42C6-B891-271027024BE7}"/>
+                  <a16:creationId xmlns:a16="http://schemas.microsoft.com/office/drawing/2014/main" xmlns="" id="{BFCDFAD7-DDFA-42C6-B891-271027024BE7}"/>
                 </a:ext>
               </a:extLst>
             </p:cNvPr>
@@ -9496,7 +9675,7 @@
             <p:cNvPr id="5149" name="AutoShape 5">
               <a:extLst>
                 <a:ext uri="{FF2B5EF4-FFF2-40B4-BE49-F238E27FC236}">
-                  <a16:creationId xmlns:a16="http://schemas.microsoft.com/office/drawing/2014/main" id="{152A768D-D513-45EE-BAC2-45844C145DCC}"/>
+                  <a16:creationId xmlns:a16="http://schemas.microsoft.com/office/drawing/2014/main" xmlns="" id="{152A768D-D513-45EE-BAC2-45844C145DCC}"/>
                 </a:ext>
               </a:extLst>
             </p:cNvPr>
@@ -9728,7 +9907,7 @@
             <p:cNvPr id="40966" name="AutoShape 6">
               <a:extLst>
                 <a:ext uri="{FF2B5EF4-FFF2-40B4-BE49-F238E27FC236}">
-                  <a16:creationId xmlns:a16="http://schemas.microsoft.com/office/drawing/2014/main" id="{EEB1D4F2-E78A-4103-BE1C-E86B60EA5805}"/>
+                  <a16:creationId xmlns:a16="http://schemas.microsoft.com/office/drawing/2014/main" xmlns="" id="{EEB1D4F2-E78A-4103-BE1C-E86B60EA5805}"/>
                 </a:ext>
               </a:extLst>
             </p:cNvPr>
@@ -9801,7 +9980,7 @@
           <p:cNvPr id="5124" name="Group 7">
             <a:extLst>
               <a:ext uri="{FF2B5EF4-FFF2-40B4-BE49-F238E27FC236}">
-                <a16:creationId xmlns:a16="http://schemas.microsoft.com/office/drawing/2014/main" id="{6D2CF608-0E85-435F-A02E-B458BE3C2A3C}"/>
+                <a16:creationId xmlns:a16="http://schemas.microsoft.com/office/drawing/2014/main" xmlns="" id="{6D2CF608-0E85-435F-A02E-B458BE3C2A3C}"/>
               </a:ext>
             </a:extLst>
           </p:cNvPr>
@@ -9823,7 +10002,7 @@
             <p:cNvPr id="5145" name="AutoShape 8">
               <a:extLst>
                 <a:ext uri="{FF2B5EF4-FFF2-40B4-BE49-F238E27FC236}">
-                  <a16:creationId xmlns:a16="http://schemas.microsoft.com/office/drawing/2014/main" id="{9D216AD7-C2E0-4904-99BB-01EB2D3F3620}"/>
+                  <a16:creationId xmlns:a16="http://schemas.microsoft.com/office/drawing/2014/main" xmlns="" id="{9D216AD7-C2E0-4904-99BB-01EB2D3F3620}"/>
                 </a:ext>
               </a:extLst>
             </p:cNvPr>
@@ -10025,7 +10204,7 @@
             <p:cNvPr id="5146" name="AutoShape 9">
               <a:extLst>
                 <a:ext uri="{FF2B5EF4-FFF2-40B4-BE49-F238E27FC236}">
-                  <a16:creationId xmlns:a16="http://schemas.microsoft.com/office/drawing/2014/main" id="{8A0B112E-B2C3-496C-BCAB-613F73575FB0}"/>
+                  <a16:creationId xmlns:a16="http://schemas.microsoft.com/office/drawing/2014/main" xmlns="" id="{8A0B112E-B2C3-496C-BCAB-613F73575FB0}"/>
                 </a:ext>
               </a:extLst>
             </p:cNvPr>
@@ -10257,7 +10436,7 @@
             <p:cNvPr id="40970" name="AutoShape 10">
               <a:extLst>
                 <a:ext uri="{FF2B5EF4-FFF2-40B4-BE49-F238E27FC236}">
-                  <a16:creationId xmlns:a16="http://schemas.microsoft.com/office/drawing/2014/main" id="{997B2110-285A-4210-83F1-093027C351AC}"/>
+                  <a16:creationId xmlns:a16="http://schemas.microsoft.com/office/drawing/2014/main" xmlns="" id="{997B2110-285A-4210-83F1-093027C351AC}"/>
                 </a:ext>
               </a:extLst>
             </p:cNvPr>
@@ -10330,7 +10509,7 @@
           <p:cNvPr id="5125" name="Line 11">
             <a:extLst>
               <a:ext uri="{FF2B5EF4-FFF2-40B4-BE49-F238E27FC236}">
-                <a16:creationId xmlns:a16="http://schemas.microsoft.com/office/drawing/2014/main" id="{E594F765-AA1B-4678-A69D-36216A2841C5}"/>
+                <a16:creationId xmlns:a16="http://schemas.microsoft.com/office/drawing/2014/main" xmlns="" id="{E594F765-AA1B-4678-A69D-36216A2841C5}"/>
               </a:ext>
             </a:extLst>
           </p:cNvPr>
@@ -10388,7 +10567,7 @@
           <p:cNvPr id="5126" name="Text Box 12">
             <a:extLst>
               <a:ext uri="{FF2B5EF4-FFF2-40B4-BE49-F238E27FC236}">
-                <a16:creationId xmlns:a16="http://schemas.microsoft.com/office/drawing/2014/main" id="{C45BB52B-B3B4-4C45-B864-F94D49A0F995}"/>
+                <a16:creationId xmlns:a16="http://schemas.microsoft.com/office/drawing/2014/main" xmlns="" id="{C45BB52B-B3B4-4C45-B864-F94D49A0F995}"/>
               </a:ext>
             </a:extLst>
           </p:cNvPr>
@@ -10597,7 +10776,7 @@
           <p:cNvPr id="5127" name="Text Box 13">
             <a:extLst>
               <a:ext uri="{FF2B5EF4-FFF2-40B4-BE49-F238E27FC236}">
-                <a16:creationId xmlns:a16="http://schemas.microsoft.com/office/drawing/2014/main" id="{8871C05F-179C-46F4-9EA7-B6030F1B1679}"/>
+                <a16:creationId xmlns:a16="http://schemas.microsoft.com/office/drawing/2014/main" xmlns="" id="{8871C05F-179C-46F4-9EA7-B6030F1B1679}"/>
               </a:ext>
             </a:extLst>
           </p:cNvPr>
@@ -10810,7 +10989,7 @@
           <p:cNvPr id="5128" name="Line 14">
             <a:extLst>
               <a:ext uri="{FF2B5EF4-FFF2-40B4-BE49-F238E27FC236}">
-                <a16:creationId xmlns:a16="http://schemas.microsoft.com/office/drawing/2014/main" id="{7B315004-470D-4347-BE2B-3BC5A4A633C7}"/>
+                <a16:creationId xmlns:a16="http://schemas.microsoft.com/office/drawing/2014/main" xmlns="" id="{7B315004-470D-4347-BE2B-3BC5A4A633C7}"/>
               </a:ext>
             </a:extLst>
           </p:cNvPr>
@@ -10868,7 +11047,7 @@
           <p:cNvPr id="5129" name="Text Box 15">
             <a:extLst>
               <a:ext uri="{FF2B5EF4-FFF2-40B4-BE49-F238E27FC236}">
-                <a16:creationId xmlns:a16="http://schemas.microsoft.com/office/drawing/2014/main" id="{31CC868A-3F08-43EB-9644-312F9F29B794}"/>
+                <a16:creationId xmlns:a16="http://schemas.microsoft.com/office/drawing/2014/main" xmlns="" id="{31CC868A-3F08-43EB-9644-312F9F29B794}"/>
               </a:ext>
             </a:extLst>
           </p:cNvPr>
@@ -11077,7 +11256,7 @@
           <p:cNvPr id="5130" name="Text Box 16">
             <a:extLst>
               <a:ext uri="{FF2B5EF4-FFF2-40B4-BE49-F238E27FC236}">
-                <a16:creationId xmlns:a16="http://schemas.microsoft.com/office/drawing/2014/main" id="{950EC049-4576-4864-9F22-CC283C1539AF}"/>
+                <a16:creationId xmlns:a16="http://schemas.microsoft.com/office/drawing/2014/main" xmlns="" id="{950EC049-4576-4864-9F22-CC283C1539AF}"/>
               </a:ext>
             </a:extLst>
           </p:cNvPr>
@@ -11290,7 +11469,7 @@
           <p:cNvPr id="5131" name="Group 17">
             <a:extLst>
               <a:ext uri="{FF2B5EF4-FFF2-40B4-BE49-F238E27FC236}">
-                <a16:creationId xmlns:a16="http://schemas.microsoft.com/office/drawing/2014/main" id="{A70B1E8A-BBCA-4DC0-81AD-A2677FD10358}"/>
+                <a16:creationId xmlns:a16="http://schemas.microsoft.com/office/drawing/2014/main" xmlns="" id="{A70B1E8A-BBCA-4DC0-81AD-A2677FD10358}"/>
               </a:ext>
             </a:extLst>
           </p:cNvPr>
@@ -11312,7 +11491,7 @@
             <p:cNvPr id="5142" name="AutoShape 18">
               <a:extLst>
                 <a:ext uri="{FF2B5EF4-FFF2-40B4-BE49-F238E27FC236}">
-                  <a16:creationId xmlns:a16="http://schemas.microsoft.com/office/drawing/2014/main" id="{1B6F8451-977C-4F45-8961-640EEC93C28A}"/>
+                  <a16:creationId xmlns:a16="http://schemas.microsoft.com/office/drawing/2014/main" xmlns="" id="{1B6F8451-977C-4F45-8961-640EEC93C28A}"/>
                 </a:ext>
               </a:extLst>
             </p:cNvPr>
@@ -11514,7 +11693,7 @@
             <p:cNvPr id="5143" name="AutoShape 19">
               <a:extLst>
                 <a:ext uri="{FF2B5EF4-FFF2-40B4-BE49-F238E27FC236}">
-                  <a16:creationId xmlns:a16="http://schemas.microsoft.com/office/drawing/2014/main" id="{2AD16BE6-8F9D-48E7-A628-DD54D9F8BEEE}"/>
+                  <a16:creationId xmlns:a16="http://schemas.microsoft.com/office/drawing/2014/main" xmlns="" id="{2AD16BE6-8F9D-48E7-A628-DD54D9F8BEEE}"/>
                 </a:ext>
               </a:extLst>
             </p:cNvPr>
@@ -11746,7 +11925,7 @@
             <p:cNvPr id="40980" name="AutoShape 20">
               <a:extLst>
                 <a:ext uri="{FF2B5EF4-FFF2-40B4-BE49-F238E27FC236}">
-                  <a16:creationId xmlns:a16="http://schemas.microsoft.com/office/drawing/2014/main" id="{C8FDFEFC-892D-41DB-BC61-4D911803F9B2}"/>
+                  <a16:creationId xmlns:a16="http://schemas.microsoft.com/office/drawing/2014/main" xmlns="" id="{C8FDFEFC-892D-41DB-BC61-4D911803F9B2}"/>
                 </a:ext>
               </a:extLst>
             </p:cNvPr>
@@ -11819,7 +11998,7 @@
           <p:cNvPr id="5132" name="Group 21">
             <a:extLst>
               <a:ext uri="{FF2B5EF4-FFF2-40B4-BE49-F238E27FC236}">
-                <a16:creationId xmlns:a16="http://schemas.microsoft.com/office/drawing/2014/main" id="{C6B26687-0250-411B-A778-5CB09862EC08}"/>
+                <a16:creationId xmlns:a16="http://schemas.microsoft.com/office/drawing/2014/main" xmlns="" id="{C6B26687-0250-411B-A778-5CB09862EC08}"/>
               </a:ext>
             </a:extLst>
           </p:cNvPr>
@@ -11841,7 +12020,7 @@
             <p:cNvPr id="5139" name="AutoShape 22">
               <a:extLst>
                 <a:ext uri="{FF2B5EF4-FFF2-40B4-BE49-F238E27FC236}">
-                  <a16:creationId xmlns:a16="http://schemas.microsoft.com/office/drawing/2014/main" id="{37C30B9A-51CF-48AF-A28E-E15FDFD5E84C}"/>
+                  <a16:creationId xmlns:a16="http://schemas.microsoft.com/office/drawing/2014/main" xmlns="" id="{37C30B9A-51CF-48AF-A28E-E15FDFD5E84C}"/>
                 </a:ext>
               </a:extLst>
             </p:cNvPr>
@@ -12043,7 +12222,7 @@
             <p:cNvPr id="5140" name="AutoShape 23">
               <a:extLst>
                 <a:ext uri="{FF2B5EF4-FFF2-40B4-BE49-F238E27FC236}">
-                  <a16:creationId xmlns:a16="http://schemas.microsoft.com/office/drawing/2014/main" id="{E616705F-3095-4892-970C-21DCBFBE986B}"/>
+                  <a16:creationId xmlns:a16="http://schemas.microsoft.com/office/drawing/2014/main" xmlns="" id="{E616705F-3095-4892-970C-21DCBFBE986B}"/>
                 </a:ext>
               </a:extLst>
             </p:cNvPr>
@@ -12275,7 +12454,7 @@
             <p:cNvPr id="40984" name="AutoShape 24">
               <a:extLst>
                 <a:ext uri="{FF2B5EF4-FFF2-40B4-BE49-F238E27FC236}">
-                  <a16:creationId xmlns:a16="http://schemas.microsoft.com/office/drawing/2014/main" id="{FEAB076C-B36A-4857-A572-9731D578656E}"/>
+                  <a16:creationId xmlns:a16="http://schemas.microsoft.com/office/drawing/2014/main" xmlns="" id="{FEAB076C-B36A-4857-A572-9731D578656E}"/>
                 </a:ext>
               </a:extLst>
             </p:cNvPr>
@@ -12348,7 +12527,7 @@
           <p:cNvPr id="5133" name="Line 25">
             <a:extLst>
               <a:ext uri="{FF2B5EF4-FFF2-40B4-BE49-F238E27FC236}">
-                <a16:creationId xmlns:a16="http://schemas.microsoft.com/office/drawing/2014/main" id="{FDBF2FD3-E06C-470E-A522-25058FFA35D3}"/>
+                <a16:creationId xmlns:a16="http://schemas.microsoft.com/office/drawing/2014/main" xmlns="" id="{FDBF2FD3-E06C-470E-A522-25058FFA35D3}"/>
               </a:ext>
             </a:extLst>
           </p:cNvPr>
@@ -12406,7 +12585,7 @@
           <p:cNvPr id="5134" name="Text Box 26">
             <a:extLst>
               <a:ext uri="{FF2B5EF4-FFF2-40B4-BE49-F238E27FC236}">
-                <a16:creationId xmlns:a16="http://schemas.microsoft.com/office/drawing/2014/main" id="{944C7CCA-5618-4FBB-85FD-22A384C388F5}"/>
+                <a16:creationId xmlns:a16="http://schemas.microsoft.com/office/drawing/2014/main" xmlns="" id="{944C7CCA-5618-4FBB-85FD-22A384C388F5}"/>
               </a:ext>
             </a:extLst>
           </p:cNvPr>
@@ -12615,7 +12794,7 @@
           <p:cNvPr id="5135" name="Text Box 27">
             <a:extLst>
               <a:ext uri="{FF2B5EF4-FFF2-40B4-BE49-F238E27FC236}">
-                <a16:creationId xmlns:a16="http://schemas.microsoft.com/office/drawing/2014/main" id="{0814801D-4B81-44DF-AA57-0C1998642BF6}"/>
+                <a16:creationId xmlns:a16="http://schemas.microsoft.com/office/drawing/2014/main" xmlns="" id="{0814801D-4B81-44DF-AA57-0C1998642BF6}"/>
               </a:ext>
             </a:extLst>
           </p:cNvPr>
@@ -12828,7 +13007,7 @@
           <p:cNvPr id="5136" name="Line 28">
             <a:extLst>
               <a:ext uri="{FF2B5EF4-FFF2-40B4-BE49-F238E27FC236}">
-                <a16:creationId xmlns:a16="http://schemas.microsoft.com/office/drawing/2014/main" id="{4B7E359B-C6EB-40A1-A92E-64424163AD71}"/>
+                <a16:creationId xmlns:a16="http://schemas.microsoft.com/office/drawing/2014/main" xmlns="" id="{4B7E359B-C6EB-40A1-A92E-64424163AD71}"/>
               </a:ext>
             </a:extLst>
           </p:cNvPr>
@@ -12890,7 +13069,7 @@
           <p:cNvPr id="5137" name="Text Box 29">
             <a:extLst>
               <a:ext uri="{FF2B5EF4-FFF2-40B4-BE49-F238E27FC236}">
-                <a16:creationId xmlns:a16="http://schemas.microsoft.com/office/drawing/2014/main" id="{10884ADE-E3DE-4023-98A9-D56C1FF44076}"/>
+                <a16:creationId xmlns:a16="http://schemas.microsoft.com/office/drawing/2014/main" xmlns="" id="{10884ADE-E3DE-4023-98A9-D56C1FF44076}"/>
               </a:ext>
             </a:extLst>
           </p:cNvPr>
@@ -13107,7 +13286,7 @@
           <p:cNvPr id="5138" name="Text Box 30">
             <a:extLst>
               <a:ext uri="{FF2B5EF4-FFF2-40B4-BE49-F238E27FC236}">
-                <a16:creationId xmlns:a16="http://schemas.microsoft.com/office/drawing/2014/main" id="{B204F8E5-8E9F-421E-8F65-2CA593909013}"/>
+                <a16:creationId xmlns:a16="http://schemas.microsoft.com/office/drawing/2014/main" xmlns="" id="{B204F8E5-8E9F-421E-8F65-2CA593909013}"/>
               </a:ext>
             </a:extLst>
           </p:cNvPr>
@@ -13345,7 +13524,7 @@
           <p:cNvPr id="9" name="Title 1">
             <a:extLst>
               <a:ext uri="{FF2B5EF4-FFF2-40B4-BE49-F238E27FC236}">
-                <a16:creationId xmlns:a16="http://schemas.microsoft.com/office/drawing/2014/main" id="{00DF4658-7E66-4F3C-AFC1-1A14DD785116}"/>
+                <a16:creationId xmlns:a16="http://schemas.microsoft.com/office/drawing/2014/main" xmlns="" id="{00DF4658-7E66-4F3C-AFC1-1A14DD785116}"/>
               </a:ext>
             </a:extLst>
           </p:cNvPr>
@@ -13636,7 +13815,7 @@
           <p:cNvPr id="10" name="Picture 9">
             <a:extLst>
               <a:ext uri="{FF2B5EF4-FFF2-40B4-BE49-F238E27FC236}">
-                <a16:creationId xmlns:a16="http://schemas.microsoft.com/office/drawing/2014/main" id="{25ACE7FD-B746-455F-ABFC-4F5FAE486931}"/>
+                <a16:creationId xmlns:a16="http://schemas.microsoft.com/office/drawing/2014/main" xmlns="" id="{25ACE7FD-B746-455F-ABFC-4F5FAE486931}"/>
               </a:ext>
             </a:extLst>
           </p:cNvPr>
@@ -13691,7 +13870,7 @@
           <p:cNvPr id="7" name="Title 1">
             <a:extLst>
               <a:ext uri="{FF2B5EF4-FFF2-40B4-BE49-F238E27FC236}">
-                <a16:creationId xmlns:a16="http://schemas.microsoft.com/office/drawing/2014/main" id="{EF85074E-F67E-4AC9-A7B5-33BBF6CFA5FB}"/>
+                <a16:creationId xmlns:a16="http://schemas.microsoft.com/office/drawing/2014/main" xmlns="" id="{EF85074E-F67E-4AC9-A7B5-33BBF6CFA5FB}"/>
               </a:ext>
             </a:extLst>
           </p:cNvPr>
@@ -13731,7 +13910,7 @@
           <p:cNvPr id="9" name="Picture 8">
             <a:extLst>
               <a:ext uri="{FF2B5EF4-FFF2-40B4-BE49-F238E27FC236}">
-                <a16:creationId xmlns:a16="http://schemas.microsoft.com/office/drawing/2014/main" id="{3EBC02CA-971C-4E0B-B9EA-CA5E5D8AA63E}"/>
+                <a16:creationId xmlns:a16="http://schemas.microsoft.com/office/drawing/2014/main" xmlns="" id="{3EBC02CA-971C-4E0B-B9EA-CA5E5D8AA63E}"/>
               </a:ext>
             </a:extLst>
           </p:cNvPr>
@@ -13741,7 +13920,7 @@
           <p:nvPr/>
         </p:nvPicPr>
         <p:blipFill>
-          <a:blip r:embed="rId3">
+          <a:blip r:embed="rId3" cstate="print">
             <a:extLst>
               <a:ext uri="{28A0092B-C50C-407E-A947-70E740481C1C}">
                 <a14:useLocalDpi xmlns:a14="http://schemas.microsoft.com/office/drawing/2010/main" val="0"/>
@@ -13792,7 +13971,7 @@
           <p:cNvPr id="3" name="Title 2">
             <a:extLst>
               <a:ext uri="{FF2B5EF4-FFF2-40B4-BE49-F238E27FC236}">
-                <a16:creationId xmlns:a16="http://schemas.microsoft.com/office/drawing/2014/main" id="{EFCE5675-724F-4670-B53E-1A57E005BE84}"/>
+                <a16:creationId xmlns:a16="http://schemas.microsoft.com/office/drawing/2014/main" xmlns="" id="{EFCE5675-724F-4670-B53E-1A57E005BE84}"/>
               </a:ext>
             </a:extLst>
           </p:cNvPr>
@@ -13832,7 +14011,7 @@
           <p:cNvPr id="9" name="Content Placeholder 3">
             <a:extLst>
               <a:ext uri="{FF2B5EF4-FFF2-40B4-BE49-F238E27FC236}">
-                <a16:creationId xmlns:a16="http://schemas.microsoft.com/office/drawing/2014/main" id="{819E33AA-70D6-43EF-A6B0-B8B5218074D6}"/>
+                <a16:creationId xmlns:a16="http://schemas.microsoft.com/office/drawing/2014/main" xmlns="" id="{819E33AA-70D6-43EF-A6B0-B8B5218074D6}"/>
               </a:ext>
             </a:extLst>
           </p:cNvPr>
@@ -13868,7 +14047,7 @@
           <p:cNvPr id="10" name="Picture 9">
             <a:extLst>
               <a:ext uri="{FF2B5EF4-FFF2-40B4-BE49-F238E27FC236}">
-                <a16:creationId xmlns:a16="http://schemas.microsoft.com/office/drawing/2014/main" id="{D58E6C02-A2E9-4DF9-A924-47107D066AC1}"/>
+                <a16:creationId xmlns:a16="http://schemas.microsoft.com/office/drawing/2014/main" xmlns="" id="{D58E6C02-A2E9-4DF9-A924-47107D066AC1}"/>
               </a:ext>
             </a:extLst>
           </p:cNvPr>
@@ -13904,7 +14083,7 @@
           <p:cNvPr id="11" name="Picture 10">
             <a:extLst>
               <a:ext uri="{FF2B5EF4-FFF2-40B4-BE49-F238E27FC236}">
-                <a16:creationId xmlns:a16="http://schemas.microsoft.com/office/drawing/2014/main" id="{D0770C88-E318-4A38-A805-7BADC7617F7C}"/>
+                <a16:creationId xmlns:a16="http://schemas.microsoft.com/office/drawing/2014/main" xmlns="" id="{D0770C88-E318-4A38-A805-7BADC7617F7C}"/>
               </a:ext>
             </a:extLst>
           </p:cNvPr>
@@ -13940,7 +14119,7 @@
           <p:cNvPr id="12" name="Picture 11">
             <a:extLst>
               <a:ext uri="{FF2B5EF4-FFF2-40B4-BE49-F238E27FC236}">
-                <a16:creationId xmlns:a16="http://schemas.microsoft.com/office/drawing/2014/main" id="{1923E9C4-ABFC-4F23-8BC2-061A9B03B30C}"/>
+                <a16:creationId xmlns:a16="http://schemas.microsoft.com/office/drawing/2014/main" xmlns="" id="{1923E9C4-ABFC-4F23-8BC2-061A9B03B30C}"/>
               </a:ext>
             </a:extLst>
           </p:cNvPr>
@@ -13950,7 +14129,7 @@
           <p:nvPr/>
         </p:nvPicPr>
         <p:blipFill>
-          <a:blip r:embed="rId6">
+          <a:blip r:embed="rId6" cstate="print">
             <a:extLst>
               <a:ext uri="{28A0092B-C50C-407E-A947-70E740481C1C}">
                 <a14:useLocalDpi xmlns:a14="http://schemas.microsoft.com/office/drawing/2010/main" val="0"/>
@@ -13976,7 +14155,7 @@
           <p:cNvPr id="13" name="Picture 12">
             <a:extLst>
               <a:ext uri="{FF2B5EF4-FFF2-40B4-BE49-F238E27FC236}">
-                <a16:creationId xmlns:a16="http://schemas.microsoft.com/office/drawing/2014/main" id="{6F96D2A8-2CE7-4E89-B4C2-767FC6D02C37}"/>
+                <a16:creationId xmlns:a16="http://schemas.microsoft.com/office/drawing/2014/main" xmlns="" id="{6F96D2A8-2CE7-4E89-B4C2-767FC6D02C37}"/>
               </a:ext>
             </a:extLst>
           </p:cNvPr>
@@ -14037,7 +14216,7 @@
           <p:cNvPr id="10" name="Title 1">
             <a:extLst>
               <a:ext uri="{FF2B5EF4-FFF2-40B4-BE49-F238E27FC236}">
-                <a16:creationId xmlns:a16="http://schemas.microsoft.com/office/drawing/2014/main" id="{C9CB8EEA-F257-4283-B278-4935B96CCD96}"/>
+                <a16:creationId xmlns:a16="http://schemas.microsoft.com/office/drawing/2014/main" xmlns="" id="{C9CB8EEA-F257-4283-B278-4935B96CCD96}"/>
               </a:ext>
             </a:extLst>
           </p:cNvPr>
@@ -14203,7 +14382,7 @@
           <p:cNvPr id="11" name="Content Placeholder 2">
             <a:extLst>
               <a:ext uri="{FF2B5EF4-FFF2-40B4-BE49-F238E27FC236}">
-                <a16:creationId xmlns:a16="http://schemas.microsoft.com/office/drawing/2014/main" id="{DCB46747-CD0A-4505-B42D-06E46C1B98F2}"/>
+                <a16:creationId xmlns:a16="http://schemas.microsoft.com/office/drawing/2014/main" xmlns="" id="{DCB46747-CD0A-4505-B42D-06E46C1B98F2}"/>
               </a:ext>
             </a:extLst>
           </p:cNvPr>
@@ -14634,7 +14813,7 @@
           <p:cNvPr id="12" name="Picture 11">
             <a:extLst>
               <a:ext uri="{FF2B5EF4-FFF2-40B4-BE49-F238E27FC236}">
-                <a16:creationId xmlns:a16="http://schemas.microsoft.com/office/drawing/2014/main" id="{60DB51F2-F9A0-4593-A304-DD0B769BC29E}"/>
+                <a16:creationId xmlns:a16="http://schemas.microsoft.com/office/drawing/2014/main" xmlns="" id="{60DB51F2-F9A0-4593-A304-DD0B769BC29E}"/>
               </a:ext>
             </a:extLst>
           </p:cNvPr>
@@ -14644,7 +14823,7 @@
           <p:nvPr/>
         </p:nvPicPr>
         <p:blipFill>
-          <a:blip r:embed="rId3">
+          <a:blip r:embed="rId3" cstate="print">
             <a:extLst>
               <a:ext uri="{28A0092B-C50C-407E-A947-70E740481C1C}">
                 <a14:useLocalDpi xmlns:a14="http://schemas.microsoft.com/office/drawing/2010/main" val="0"/>
@@ -14670,7 +14849,7 @@
           <p:cNvPr id="13" name="Picture 12">
             <a:extLst>
               <a:ext uri="{FF2B5EF4-FFF2-40B4-BE49-F238E27FC236}">
-                <a16:creationId xmlns:a16="http://schemas.microsoft.com/office/drawing/2014/main" id="{5160EE14-BACB-4864-A22E-3F8DE2A55FEB}"/>
+                <a16:creationId xmlns:a16="http://schemas.microsoft.com/office/drawing/2014/main" xmlns="" id="{5160EE14-BACB-4864-A22E-3F8DE2A55FEB}"/>
               </a:ext>
             </a:extLst>
           </p:cNvPr>
@@ -14706,7 +14885,7 @@
           <p:cNvPr id="14" name="Picture 13">
             <a:extLst>
               <a:ext uri="{FF2B5EF4-FFF2-40B4-BE49-F238E27FC236}">
-                <a16:creationId xmlns:a16="http://schemas.microsoft.com/office/drawing/2014/main" id="{57C9E2BA-8B4F-410A-AC06-CF7C9DF40F7F}"/>
+                <a16:creationId xmlns:a16="http://schemas.microsoft.com/office/drawing/2014/main" xmlns="" id="{57C9E2BA-8B4F-410A-AC06-CF7C9DF40F7F}"/>
               </a:ext>
             </a:extLst>
           </p:cNvPr>
@@ -14767,7 +14946,7 @@
           <p:cNvPr id="24" name="Title 1">
             <a:extLst>
               <a:ext uri="{FF2B5EF4-FFF2-40B4-BE49-F238E27FC236}">
-                <a16:creationId xmlns:a16="http://schemas.microsoft.com/office/drawing/2014/main" id="{76E9A509-F1F7-4396-839E-8EA3E5D735D0}"/>
+                <a16:creationId xmlns:a16="http://schemas.microsoft.com/office/drawing/2014/main" xmlns="" id="{76E9A509-F1F7-4396-839E-8EA3E5D735D0}"/>
               </a:ext>
             </a:extLst>
           </p:cNvPr>
@@ -14807,7 +14986,7 @@
           <p:cNvPr id="25" name="Picture 24">
             <a:extLst>
               <a:ext uri="{FF2B5EF4-FFF2-40B4-BE49-F238E27FC236}">
-                <a16:creationId xmlns:a16="http://schemas.microsoft.com/office/drawing/2014/main" id="{F25AED3A-2804-4A98-A57A-6AD96FF22C17}"/>
+                <a16:creationId xmlns:a16="http://schemas.microsoft.com/office/drawing/2014/main" xmlns="" id="{F25AED3A-2804-4A98-A57A-6AD96FF22C17}"/>
               </a:ext>
             </a:extLst>
           </p:cNvPr>
@@ -14892,7 +15071,7 @@
           <p:cNvPr id="16" name="Title 1">
             <a:extLst>
               <a:ext uri="{FF2B5EF4-FFF2-40B4-BE49-F238E27FC236}">
-                <a16:creationId xmlns:a16="http://schemas.microsoft.com/office/drawing/2014/main" id="{EECF6F66-26FB-4854-B4FA-69CB40950C06}"/>
+                <a16:creationId xmlns:a16="http://schemas.microsoft.com/office/drawing/2014/main" xmlns="" id="{EECF6F66-26FB-4854-B4FA-69CB40950C06}"/>
               </a:ext>
             </a:extLst>
           </p:cNvPr>
@@ -14934,7 +15113,7 @@
           <p:cNvPr id="17" name="Content Placeholder 2">
             <a:extLst>
               <a:ext uri="{FF2B5EF4-FFF2-40B4-BE49-F238E27FC236}">
-                <a16:creationId xmlns:a16="http://schemas.microsoft.com/office/drawing/2014/main" id="{CFB19DC4-4D06-4221-84FD-422E5AFECD3A}"/>
+                <a16:creationId xmlns:a16="http://schemas.microsoft.com/office/drawing/2014/main" xmlns="" id="{CFB19DC4-4D06-4221-84FD-422E5AFECD3A}"/>
               </a:ext>
             </a:extLst>
           </p:cNvPr>
@@ -15284,7 +15463,7 @@
           <p:cNvPr id="5" name="TextBox 4">
             <a:extLst>
               <a:ext uri="{FF2B5EF4-FFF2-40B4-BE49-F238E27FC236}">
-                <a16:creationId xmlns:a16="http://schemas.microsoft.com/office/drawing/2014/main" id="{1A048B96-76DF-453F-8F30-71439FBA72A1}"/>
+                <a16:creationId xmlns:a16="http://schemas.microsoft.com/office/drawing/2014/main" xmlns="" id="{1A048B96-76DF-453F-8F30-71439FBA72A1}"/>
               </a:ext>
             </a:extLst>
           </p:cNvPr>
@@ -15323,7 +15502,7 @@
           <p:cNvPr id="6" name="Picture 5">
             <a:extLst>
               <a:ext uri="{FF2B5EF4-FFF2-40B4-BE49-F238E27FC236}">
-                <a16:creationId xmlns:a16="http://schemas.microsoft.com/office/drawing/2014/main" id="{D9104AE9-0CBB-4F81-87C1-FF75E473370E}"/>
+                <a16:creationId xmlns:a16="http://schemas.microsoft.com/office/drawing/2014/main" xmlns="" id="{D9104AE9-0CBB-4F81-87C1-FF75E473370E}"/>
               </a:ext>
             </a:extLst>
           </p:cNvPr>
@@ -15353,7 +15532,7 @@
           <p:cNvPr id="7" name="Picture 6">
             <a:extLst>
               <a:ext uri="{FF2B5EF4-FFF2-40B4-BE49-F238E27FC236}">
-                <a16:creationId xmlns:a16="http://schemas.microsoft.com/office/drawing/2014/main" id="{82DB1A46-CFE8-4E26-8170-4ECEFDBE2763}"/>
+                <a16:creationId xmlns:a16="http://schemas.microsoft.com/office/drawing/2014/main" xmlns="" id="{82DB1A46-CFE8-4E26-8170-4ECEFDBE2763}"/>
               </a:ext>
             </a:extLst>
           </p:cNvPr>
